--- a/312 - The Voice of God is Calling.pptx
+++ b/312 - The Voice of God is Calling.pptx
@@ -115,10 +115,6 @@
 </p:presentation>
 </file>
 
-<file path=ppt/revisionInfo.xml><?xml version="1.0" encoding="utf-8"?>
-<p1510:revInfo xmlns:a="http://schemas.openxmlformats.org/drawingml/2006/main" xmlns:r="http://schemas.openxmlformats.org/officeDocument/2006/relationships" xmlns:p1510="http://schemas.microsoft.com/office/powerpoint/2015/10/main"/>
-</file>
-
 <file path=ppt/slideLayouts/slideLayout1.xml><?xml version="1.0" encoding="utf-8"?>
 <p:sldLayout xmlns:a="http://schemas.openxmlformats.org/drawingml/2006/main" xmlns:r="http://schemas.openxmlformats.org/officeDocument/2006/relationships" xmlns:p="http://schemas.openxmlformats.org/presentationml/2006/main" type="title" preserve="1">
   <p:cSld name="Title Slide">
@@ -248,7 +244,7 @@
           <a:p>
             <a:fld id="{32F7251A-AE54-443C-B8FE-5F636E835EBF}" type="datetimeFigureOut">
               <a:rPr lang="en-US" smtClean="0"/>
-              <a:t>11/19/2017</a:t>
+              <a:t>2/9/2020</a:t>
             </a:fld>
             <a:endParaRPr lang="en-US"/>
           </a:p>
@@ -416,7 +412,7 @@
           <a:p>
             <a:fld id="{32F7251A-AE54-443C-B8FE-5F636E835EBF}" type="datetimeFigureOut">
               <a:rPr lang="en-US" smtClean="0"/>
-              <a:t>11/19/2017</a:t>
+              <a:t>2/9/2020</a:t>
             </a:fld>
             <a:endParaRPr lang="en-US"/>
           </a:p>
@@ -594,7 +590,7 @@
           <a:p>
             <a:fld id="{32F7251A-AE54-443C-B8FE-5F636E835EBF}" type="datetimeFigureOut">
               <a:rPr lang="en-US" smtClean="0"/>
-              <a:t>11/19/2017</a:t>
+              <a:t>2/9/2020</a:t>
             </a:fld>
             <a:endParaRPr lang="en-US"/>
           </a:p>
@@ -762,7 +758,7 @@
           <a:p>
             <a:fld id="{32F7251A-AE54-443C-B8FE-5F636E835EBF}" type="datetimeFigureOut">
               <a:rPr lang="en-US" smtClean="0"/>
-              <a:t>11/19/2017</a:t>
+              <a:t>2/9/2020</a:t>
             </a:fld>
             <a:endParaRPr lang="en-US"/>
           </a:p>
@@ -1007,7 +1003,7 @@
           <a:p>
             <a:fld id="{32F7251A-AE54-443C-B8FE-5F636E835EBF}" type="datetimeFigureOut">
               <a:rPr lang="en-US" smtClean="0"/>
-              <a:t>11/19/2017</a:t>
+              <a:t>2/9/2020</a:t>
             </a:fld>
             <a:endParaRPr lang="en-US"/>
           </a:p>
@@ -1236,7 +1232,7 @@
           <a:p>
             <a:fld id="{32F7251A-AE54-443C-B8FE-5F636E835EBF}" type="datetimeFigureOut">
               <a:rPr lang="en-US" smtClean="0"/>
-              <a:t>11/19/2017</a:t>
+              <a:t>2/9/2020</a:t>
             </a:fld>
             <a:endParaRPr lang="en-US"/>
           </a:p>
@@ -1600,7 +1596,7 @@
           <a:p>
             <a:fld id="{32F7251A-AE54-443C-B8FE-5F636E835EBF}" type="datetimeFigureOut">
               <a:rPr lang="en-US" smtClean="0"/>
-              <a:t>11/19/2017</a:t>
+              <a:t>2/9/2020</a:t>
             </a:fld>
             <a:endParaRPr lang="en-US"/>
           </a:p>
@@ -1717,7 +1713,7 @@
           <a:p>
             <a:fld id="{32F7251A-AE54-443C-B8FE-5F636E835EBF}" type="datetimeFigureOut">
               <a:rPr lang="en-US" smtClean="0"/>
-              <a:t>11/19/2017</a:t>
+              <a:t>2/9/2020</a:t>
             </a:fld>
             <a:endParaRPr lang="en-US"/>
           </a:p>
@@ -1812,7 +1808,7 @@
           <a:p>
             <a:fld id="{32F7251A-AE54-443C-B8FE-5F636E835EBF}" type="datetimeFigureOut">
               <a:rPr lang="en-US" smtClean="0"/>
-              <a:t>11/19/2017</a:t>
+              <a:t>2/9/2020</a:t>
             </a:fld>
             <a:endParaRPr lang="en-US"/>
           </a:p>
@@ -2087,7 +2083,7 @@
           <a:p>
             <a:fld id="{32F7251A-AE54-443C-B8FE-5F636E835EBF}" type="datetimeFigureOut">
               <a:rPr lang="en-US" smtClean="0"/>
-              <a:t>11/19/2017</a:t>
+              <a:t>2/9/2020</a:t>
             </a:fld>
             <a:endParaRPr lang="en-US"/>
           </a:p>
@@ -2339,7 +2335,7 @@
           <a:p>
             <a:fld id="{32F7251A-AE54-443C-B8FE-5F636E835EBF}" type="datetimeFigureOut">
               <a:rPr lang="en-US" smtClean="0"/>
-              <a:t>11/19/2017</a:t>
+              <a:t>2/9/2020</a:t>
             </a:fld>
             <a:endParaRPr lang="en-US"/>
           </a:p>
@@ -2406,7 +2402,9 @@
     <p:bg>
       <p:bgPr>
         <a:solidFill>
-          <a:srgbClr val="333333"/>
+          <a:schemeClr val="bg1">
+            <a:lumMod val="10000"/>
+          </a:schemeClr>
         </a:solidFill>
         <a:effectLst/>
       </p:bgPr>
@@ -2553,7 +2551,7 @@
           <a:p>
             <a:fld id="{32F7251A-AE54-443C-B8FE-5F636E835EBF}" type="datetimeFigureOut">
               <a:rPr lang="en-US" smtClean="0"/>
-              <a:t>11/19/2017</a:t>
+              <a:t>2/9/2020</a:t>
             </a:fld>
             <a:endParaRPr lang="en-US"/>
           </a:p>
@@ -3023,8 +3021,8 @@
         </p:nvSpPr>
         <p:spPr>
           <a:xfrm>
-            <a:off x="0" y="5804209"/>
-            <a:ext cx="12192000" cy="830997"/>
+            <a:off x="0" y="5927320"/>
+            <a:ext cx="12192000" cy="584775"/>
           </a:xfrm>
           <a:prstGeom prst="rect">
             <a:avLst/>
@@ -3039,10 +3037,12 @@
           <a:p>
             <a:pPr algn="ctr"/>
             <a:r>
-              <a:rPr lang="en-US" sz="4800" dirty="0">
+              <a:rPr lang="en-US" sz="3200" u="sng" dirty="0">
                 <a:solidFill>
                   <a:schemeClr val="bg1"/>
                 </a:solidFill>
+                <a:latin typeface="Assistant SemiBold" panose="00000700000000000000" pitchFamily="2" charset="-79"/>
+                <a:cs typeface="Assistant SemiBold" panose="00000700000000000000" pitchFamily="2" charset="-79"/>
               </a:rPr>
               <a:t>“The Voice of God is Calling”</a:t>
             </a:r>
@@ -3057,8 +3057,8 @@
         </p:nvSpPr>
         <p:spPr>
           <a:xfrm>
-            <a:off x="0" y="297622"/>
-            <a:ext cx="12192000" cy="5078313"/>
+            <a:off x="0" y="843887"/>
+            <a:ext cx="12192000" cy="3970318"/>
           </a:xfrm>
           <a:prstGeom prst="rect">
             <a:avLst/>
@@ -3073,10 +3073,12 @@
           <a:p>
             <a:pPr algn="ctr"/>
             <a:r>
-              <a:rPr lang="en-US" sz="3600" dirty="0">
+              <a:rPr lang="en-US" sz="2800" spc="50" dirty="0">
                 <a:solidFill>
                   <a:schemeClr val="bg1"/>
                 </a:solidFill>
+                <a:latin typeface="Assistant" panose="00000500000000000000" pitchFamily="2" charset="-79"/>
+                <a:cs typeface="Assistant" panose="00000500000000000000" pitchFamily="2" charset="-79"/>
               </a:rPr>
               <a:t>The voice of God is calling</a:t>
             </a:r>
@@ -3084,10 +3086,12 @@
           <a:p>
             <a:pPr algn="ctr"/>
             <a:r>
-              <a:rPr lang="en-US" sz="3600" dirty="0">
+              <a:rPr lang="en-US" sz="2800" spc="50" dirty="0">
                 <a:solidFill>
                   <a:schemeClr val="bg1"/>
                 </a:solidFill>
+                <a:latin typeface="Assistant" panose="00000500000000000000" pitchFamily="2" charset="-79"/>
+                <a:cs typeface="Assistant" panose="00000500000000000000" pitchFamily="2" charset="-79"/>
               </a:rPr>
               <a:t>It summons unto men;</a:t>
             </a:r>
@@ -3095,10 +3099,12 @@
           <a:p>
             <a:pPr algn="ctr"/>
             <a:r>
-              <a:rPr lang="en-US" sz="3600" dirty="0">
+              <a:rPr lang="en-US" sz="2800" spc="50" dirty="0">
                 <a:solidFill>
                   <a:schemeClr val="bg1"/>
                 </a:solidFill>
+                <a:latin typeface="Assistant" panose="00000500000000000000" pitchFamily="2" charset="-79"/>
+                <a:cs typeface="Assistant" panose="00000500000000000000" pitchFamily="2" charset="-79"/>
               </a:rPr>
               <a:t>As once He spoke in Zion,</a:t>
             </a:r>
@@ -3106,29 +3112,35 @@
           <a:p>
             <a:pPr algn="ctr"/>
             <a:r>
-              <a:rPr lang="en-US" sz="3600" dirty="0">
+              <a:rPr lang="en-US" sz="2800" spc="50" dirty="0">
                 <a:solidFill>
                   <a:schemeClr val="bg1"/>
                 </a:solidFill>
+                <a:latin typeface="Assistant" panose="00000500000000000000" pitchFamily="2" charset="-79"/>
+                <a:cs typeface="Assistant" panose="00000500000000000000" pitchFamily="2" charset="-79"/>
               </a:rPr>
               <a:t>So now He speaks again.</a:t>
             </a:r>
           </a:p>
           <a:p>
             <a:pPr algn="ctr"/>
-            <a:endParaRPr lang="en-US" sz="3600" dirty="0">
+            <a:endParaRPr lang="en-US" sz="2800" spc="50" dirty="0">
               <a:solidFill>
                 <a:schemeClr val="bg1"/>
               </a:solidFill>
+              <a:latin typeface="Assistant" panose="00000500000000000000" pitchFamily="2" charset="-79"/>
+              <a:cs typeface="Assistant" panose="00000500000000000000" pitchFamily="2" charset="-79"/>
             </a:endParaRPr>
           </a:p>
           <a:p>
             <a:pPr algn="ctr"/>
             <a:r>
-              <a:rPr lang="en-US" sz="3600" dirty="0">
+              <a:rPr lang="en-US" sz="2800" spc="50" dirty="0">
                 <a:solidFill>
                   <a:schemeClr val="bg1"/>
                 </a:solidFill>
+                <a:latin typeface="Assistant" panose="00000500000000000000" pitchFamily="2" charset="-79"/>
+                <a:cs typeface="Assistant" panose="00000500000000000000" pitchFamily="2" charset="-79"/>
               </a:rPr>
               <a:t>Whom shall I send to succor</a:t>
             </a:r>
@@ -3136,10 +3148,12 @@
           <a:p>
             <a:pPr algn="ctr"/>
             <a:r>
-              <a:rPr lang="en-US" sz="3600" dirty="0">
+              <a:rPr lang="en-US" sz="2800" spc="50" dirty="0">
                 <a:solidFill>
                   <a:schemeClr val="bg1"/>
                 </a:solidFill>
+                <a:latin typeface="Assistant" panose="00000500000000000000" pitchFamily="2" charset="-79"/>
+                <a:cs typeface="Assistant" panose="00000500000000000000" pitchFamily="2" charset="-79"/>
               </a:rPr>
               <a:t>My people in their need?</a:t>
             </a:r>
@@ -3147,10 +3161,12 @@
           <a:p>
             <a:pPr algn="ctr"/>
             <a:r>
-              <a:rPr lang="en-US" sz="3600" dirty="0">
+              <a:rPr lang="en-US" sz="2800" spc="50" dirty="0">
                 <a:solidFill>
                   <a:schemeClr val="bg1"/>
                 </a:solidFill>
+                <a:latin typeface="Assistant" panose="00000500000000000000" pitchFamily="2" charset="-79"/>
+                <a:cs typeface="Assistant" panose="00000500000000000000" pitchFamily="2" charset="-79"/>
               </a:rPr>
               <a:t>Whom shall I send to loosen</a:t>
             </a:r>
@@ -3158,10 +3174,12 @@
           <a:p>
             <a:pPr algn="ctr"/>
             <a:r>
-              <a:rPr lang="en-US" sz="3600" dirty="0">
+              <a:rPr lang="en-US" sz="2800" spc="50" dirty="0">
                 <a:solidFill>
                   <a:schemeClr val="bg1"/>
                 </a:solidFill>
+                <a:latin typeface="Assistant" panose="00000500000000000000" pitchFamily="2" charset="-79"/>
+                <a:cs typeface="Assistant" panose="00000500000000000000" pitchFamily="2" charset="-79"/>
               </a:rPr>
               <a:t>The bonds of lust and greed?</a:t>
             </a:r>
@@ -3263,8 +3281,8 @@
         </p:nvSpPr>
         <p:spPr>
           <a:xfrm>
-            <a:off x="0" y="5804209"/>
-            <a:ext cx="12192000" cy="830997"/>
+            <a:off x="0" y="5927320"/>
+            <a:ext cx="12192000" cy="584775"/>
           </a:xfrm>
           <a:prstGeom prst="rect">
             <a:avLst/>
@@ -3279,10 +3297,12 @@
           <a:p>
             <a:pPr algn="ctr"/>
             <a:r>
-              <a:rPr lang="en-US" sz="4800" dirty="0">
+              <a:rPr lang="en-US" sz="3200" u="sng" dirty="0">
                 <a:solidFill>
                   <a:schemeClr val="bg1"/>
                 </a:solidFill>
+                <a:latin typeface="Assistant SemiBold" panose="00000700000000000000" pitchFamily="2" charset="-79"/>
+                <a:cs typeface="Assistant SemiBold" panose="00000700000000000000" pitchFamily="2" charset="-79"/>
               </a:rPr>
               <a:t>“The Voice of God is Calling”</a:t>
             </a:r>
@@ -3297,8 +3317,8 @@
         </p:nvSpPr>
         <p:spPr>
           <a:xfrm>
-            <a:off x="0" y="297622"/>
-            <a:ext cx="12192000" cy="5078313"/>
+            <a:off x="0" y="903263"/>
+            <a:ext cx="12192000" cy="3970318"/>
           </a:xfrm>
           <a:prstGeom prst="rect">
             <a:avLst/>
@@ -3313,10 +3333,12 @@
           <a:p>
             <a:pPr algn="ctr"/>
             <a:r>
-              <a:rPr lang="en-US" sz="3600" dirty="0">
+              <a:rPr lang="en-US" sz="2800" spc="50" dirty="0">
                 <a:solidFill>
                   <a:schemeClr val="bg1"/>
                 </a:solidFill>
+                <a:latin typeface="Assistant" panose="00000500000000000000" pitchFamily="2" charset="-79"/>
+                <a:cs typeface="Assistant" panose="00000500000000000000" pitchFamily="2" charset="-79"/>
               </a:rPr>
               <a:t>I hear my people crying</a:t>
             </a:r>
@@ -3324,10 +3346,12 @@
           <a:p>
             <a:pPr algn="ctr"/>
             <a:r>
-              <a:rPr lang="en-US" sz="3600" dirty="0">
+              <a:rPr lang="en-US" sz="2800" spc="50" dirty="0">
                 <a:solidFill>
                   <a:schemeClr val="bg1"/>
                 </a:solidFill>
+                <a:latin typeface="Assistant" panose="00000500000000000000" pitchFamily="2" charset="-79"/>
+                <a:cs typeface="Assistant" panose="00000500000000000000" pitchFamily="2" charset="-79"/>
               </a:rPr>
               <a:t>In cot and mine and slum;</a:t>
             </a:r>
@@ -3335,10 +3359,12 @@
           <a:p>
             <a:pPr algn="ctr"/>
             <a:r>
-              <a:rPr lang="en-US" sz="3600" dirty="0">
+              <a:rPr lang="en-US" sz="2800" spc="50" dirty="0">
                 <a:solidFill>
                   <a:schemeClr val="bg1"/>
                 </a:solidFill>
+                <a:latin typeface="Assistant" panose="00000500000000000000" pitchFamily="2" charset="-79"/>
+                <a:cs typeface="Assistant" panose="00000500000000000000" pitchFamily="2" charset="-79"/>
               </a:rPr>
               <a:t>No field or mart is silent;</a:t>
             </a:r>
@@ -3346,29 +3372,35 @@
           <a:p>
             <a:pPr algn="ctr"/>
             <a:r>
-              <a:rPr lang="en-US" sz="3600" dirty="0">
+              <a:rPr lang="en-US" sz="2800" spc="50" dirty="0">
                 <a:solidFill>
                   <a:schemeClr val="bg1"/>
                 </a:solidFill>
+                <a:latin typeface="Assistant" panose="00000500000000000000" pitchFamily="2" charset="-79"/>
+                <a:cs typeface="Assistant" panose="00000500000000000000" pitchFamily="2" charset="-79"/>
               </a:rPr>
               <a:t>No city street is dumb.</a:t>
             </a:r>
           </a:p>
           <a:p>
             <a:pPr algn="ctr"/>
-            <a:endParaRPr lang="en-US" sz="3600" dirty="0">
+            <a:endParaRPr lang="en-US" sz="2800" spc="50" dirty="0">
               <a:solidFill>
                 <a:schemeClr val="bg1"/>
               </a:solidFill>
+              <a:latin typeface="Assistant" panose="00000500000000000000" pitchFamily="2" charset="-79"/>
+              <a:cs typeface="Assistant" panose="00000500000000000000" pitchFamily="2" charset="-79"/>
             </a:endParaRPr>
           </a:p>
           <a:p>
             <a:pPr algn="ctr"/>
             <a:r>
-              <a:rPr lang="en-US" sz="3600" dirty="0">
+              <a:rPr lang="en-US" sz="2800" spc="50" dirty="0">
                 <a:solidFill>
                   <a:schemeClr val="bg1"/>
                 </a:solidFill>
+                <a:latin typeface="Assistant" panose="00000500000000000000" pitchFamily="2" charset="-79"/>
+                <a:cs typeface="Assistant" panose="00000500000000000000" pitchFamily="2" charset="-79"/>
               </a:rPr>
               <a:t>I see my people falling</a:t>
             </a:r>
@@ -3376,10 +3408,12 @@
           <a:p>
             <a:pPr algn="ctr"/>
             <a:r>
-              <a:rPr lang="en-US" sz="3600" dirty="0">
+              <a:rPr lang="en-US" sz="2800" spc="50" dirty="0">
                 <a:solidFill>
                   <a:schemeClr val="bg1"/>
                 </a:solidFill>
+                <a:latin typeface="Assistant" panose="00000500000000000000" pitchFamily="2" charset="-79"/>
+                <a:cs typeface="Assistant" panose="00000500000000000000" pitchFamily="2" charset="-79"/>
               </a:rPr>
               <a:t>In darkness and despair;</a:t>
             </a:r>
@@ -3387,10 +3421,12 @@
           <a:p>
             <a:pPr algn="ctr"/>
             <a:r>
-              <a:rPr lang="en-US" sz="3600" dirty="0">
+              <a:rPr lang="en-US" sz="2800" spc="50" dirty="0">
                 <a:solidFill>
                   <a:schemeClr val="bg1"/>
                 </a:solidFill>
+                <a:latin typeface="Assistant" panose="00000500000000000000" pitchFamily="2" charset="-79"/>
+                <a:cs typeface="Assistant" panose="00000500000000000000" pitchFamily="2" charset="-79"/>
               </a:rPr>
               <a:t>Whom shall I send to shatter</a:t>
             </a:r>
@@ -3398,10 +3434,12 @@
           <a:p>
             <a:pPr algn="ctr"/>
             <a:r>
-              <a:rPr lang="en-US" sz="3600" dirty="0">
+              <a:rPr lang="en-US" sz="2800" spc="50" dirty="0">
                 <a:solidFill>
                   <a:schemeClr val="bg1"/>
                 </a:solidFill>
+                <a:latin typeface="Assistant" panose="00000500000000000000" pitchFamily="2" charset="-79"/>
+                <a:cs typeface="Assistant" panose="00000500000000000000" pitchFamily="2" charset="-79"/>
               </a:rPr>
               <a:t>The fetters which they bear?</a:t>
             </a:r>
@@ -3503,8 +3541,8 @@
         </p:nvSpPr>
         <p:spPr>
           <a:xfrm>
-            <a:off x="0" y="5804209"/>
-            <a:ext cx="12192000" cy="830997"/>
+            <a:off x="0" y="5927320"/>
+            <a:ext cx="12192000" cy="584775"/>
           </a:xfrm>
           <a:prstGeom prst="rect">
             <a:avLst/>
@@ -3519,10 +3557,12 @@
           <a:p>
             <a:pPr algn="ctr"/>
             <a:r>
-              <a:rPr lang="en-US" sz="4800" dirty="0">
+              <a:rPr lang="en-US" sz="3200" u="sng" dirty="0">
                 <a:solidFill>
                   <a:schemeClr val="bg1"/>
                 </a:solidFill>
+                <a:latin typeface="Assistant SemiBold" panose="00000700000000000000" pitchFamily="2" charset="-79"/>
+                <a:cs typeface="Assistant SemiBold" panose="00000700000000000000" pitchFamily="2" charset="-79"/>
               </a:rPr>
               <a:t>“The Voice of God is Calling”</a:t>
             </a:r>
@@ -3537,8 +3577,8 @@
         </p:nvSpPr>
         <p:spPr>
           <a:xfrm>
-            <a:off x="0" y="297622"/>
-            <a:ext cx="12192000" cy="5078313"/>
+            <a:off x="0" y="820137"/>
+            <a:ext cx="12192000" cy="3970318"/>
           </a:xfrm>
           <a:prstGeom prst="rect">
             <a:avLst/>
@@ -3553,10 +3593,12 @@
           <a:p>
             <a:pPr algn="ctr"/>
             <a:r>
-              <a:rPr lang="en-US" sz="3600" dirty="0">
+              <a:rPr lang="en-US" sz="2800" spc="50" dirty="0">
                 <a:solidFill>
                   <a:schemeClr val="bg1"/>
                 </a:solidFill>
+                <a:latin typeface="Assistant" panose="00000500000000000000" pitchFamily="2" charset="-79"/>
+                <a:cs typeface="Assistant" panose="00000500000000000000" pitchFamily="2" charset="-79"/>
               </a:rPr>
               <a:t>We heed, O Lord, Thy summons,</a:t>
             </a:r>
@@ -3564,10 +3606,12 @@
           <a:p>
             <a:pPr algn="ctr"/>
             <a:r>
-              <a:rPr lang="en-US" sz="3600" dirty="0">
+              <a:rPr lang="en-US" sz="2800" spc="50" dirty="0">
                 <a:solidFill>
                   <a:schemeClr val="bg1"/>
                 </a:solidFill>
+                <a:latin typeface="Assistant" panose="00000500000000000000" pitchFamily="2" charset="-79"/>
+                <a:cs typeface="Assistant" panose="00000500000000000000" pitchFamily="2" charset="-79"/>
               </a:rPr>
               <a:t>And answer, “Here are we!</a:t>
             </a:r>
@@ -3575,10 +3619,12 @@
           <a:p>
             <a:pPr algn="ctr"/>
             <a:r>
-              <a:rPr lang="en-US" sz="3600" dirty="0">
+              <a:rPr lang="en-US" sz="2800" spc="50" dirty="0">
                 <a:solidFill>
                   <a:schemeClr val="bg1"/>
                 </a:solidFill>
+                <a:latin typeface="Assistant" panose="00000500000000000000" pitchFamily="2" charset="-79"/>
+                <a:cs typeface="Assistant" panose="00000500000000000000" pitchFamily="2" charset="-79"/>
               </a:rPr>
               <a:t>Send us upon Thine errand;</a:t>
             </a:r>
@@ -3586,29 +3632,35 @@
           <a:p>
             <a:pPr algn="ctr"/>
             <a:r>
-              <a:rPr lang="en-US" sz="3600" dirty="0">
+              <a:rPr lang="en-US" sz="2800" spc="50" dirty="0">
                 <a:solidFill>
                   <a:schemeClr val="bg1"/>
                 </a:solidFill>
+                <a:latin typeface="Assistant" panose="00000500000000000000" pitchFamily="2" charset="-79"/>
+                <a:cs typeface="Assistant" panose="00000500000000000000" pitchFamily="2" charset="-79"/>
               </a:rPr>
               <a:t>Let us Thy servants be.</a:t>
             </a:r>
           </a:p>
           <a:p>
             <a:pPr algn="ctr"/>
-            <a:endParaRPr lang="en-US" sz="3600" dirty="0">
+            <a:endParaRPr lang="en-US" sz="2800" spc="50" dirty="0">
               <a:solidFill>
                 <a:schemeClr val="bg1"/>
               </a:solidFill>
+              <a:latin typeface="Assistant" panose="00000500000000000000" pitchFamily="2" charset="-79"/>
+              <a:cs typeface="Assistant" panose="00000500000000000000" pitchFamily="2" charset="-79"/>
             </a:endParaRPr>
           </a:p>
           <a:p>
             <a:pPr algn="ctr"/>
             <a:r>
-              <a:rPr lang="en-US" sz="3600" dirty="0">
+              <a:rPr lang="en-US" sz="2800" spc="50" dirty="0">
                 <a:solidFill>
                   <a:schemeClr val="bg1"/>
                 </a:solidFill>
+                <a:latin typeface="Assistant" panose="00000500000000000000" pitchFamily="2" charset="-79"/>
+                <a:cs typeface="Assistant" panose="00000500000000000000" pitchFamily="2" charset="-79"/>
               </a:rPr>
               <a:t>“Our strength is dust and ashes,</a:t>
             </a:r>
@@ -3616,10 +3668,12 @@
           <a:p>
             <a:pPr algn="ctr"/>
             <a:r>
-              <a:rPr lang="en-US" sz="3600" dirty="0">
+              <a:rPr lang="en-US" sz="2800" spc="50" dirty="0">
                 <a:solidFill>
                   <a:schemeClr val="bg1"/>
                 </a:solidFill>
+                <a:latin typeface="Assistant" panose="00000500000000000000" pitchFamily="2" charset="-79"/>
+                <a:cs typeface="Assistant" panose="00000500000000000000" pitchFamily="2" charset="-79"/>
               </a:rPr>
               <a:t>Our years, a passing hour—</a:t>
             </a:r>
@@ -3627,10 +3681,12 @@
           <a:p>
             <a:pPr algn="ctr"/>
             <a:r>
-              <a:rPr lang="en-US" sz="3600" dirty="0">
+              <a:rPr lang="en-US" sz="2800" spc="50" dirty="0">
                 <a:solidFill>
                   <a:schemeClr val="bg1"/>
                 </a:solidFill>
+                <a:latin typeface="Assistant" panose="00000500000000000000" pitchFamily="2" charset="-79"/>
+                <a:cs typeface="Assistant" panose="00000500000000000000" pitchFamily="2" charset="-79"/>
               </a:rPr>
               <a:t>But Thou canst use our weakness</a:t>
             </a:r>
@@ -3638,10 +3694,12 @@
           <a:p>
             <a:pPr algn="ctr"/>
             <a:r>
-              <a:rPr lang="en-US" sz="3600" dirty="0">
+              <a:rPr lang="en-US" sz="2800" spc="50" dirty="0">
                 <a:solidFill>
                   <a:schemeClr val="bg1"/>
                 </a:solidFill>
+                <a:latin typeface="Assistant" panose="00000500000000000000" pitchFamily="2" charset="-79"/>
+                <a:cs typeface="Assistant" panose="00000500000000000000" pitchFamily="2" charset="-79"/>
               </a:rPr>
               <a:t>To magnify Thy power.</a:t>
             </a:r>
@@ -3743,8 +3801,8 @@
         </p:nvSpPr>
         <p:spPr>
           <a:xfrm>
-            <a:off x="0" y="5804209"/>
-            <a:ext cx="12192000" cy="830997"/>
+            <a:off x="0" y="5927320"/>
+            <a:ext cx="12192000" cy="584775"/>
           </a:xfrm>
           <a:prstGeom prst="rect">
             <a:avLst/>
@@ -3759,10 +3817,12 @@
           <a:p>
             <a:pPr algn="ctr"/>
             <a:r>
-              <a:rPr lang="en-US" sz="4800" dirty="0">
+              <a:rPr lang="en-US" sz="3200" u="sng" dirty="0">
                 <a:solidFill>
                   <a:schemeClr val="bg1"/>
                 </a:solidFill>
+                <a:latin typeface="Assistant SemiBold" panose="00000700000000000000" pitchFamily="2" charset="-79"/>
+                <a:cs typeface="Assistant SemiBold" panose="00000700000000000000" pitchFamily="2" charset="-79"/>
               </a:rPr>
               <a:t>“The Voice of God is Calling”</a:t>
             </a:r>
@@ -3777,8 +3837,8 @@
         </p:nvSpPr>
         <p:spPr>
           <a:xfrm>
-            <a:off x="0" y="297622"/>
-            <a:ext cx="12192000" cy="5078313"/>
+            <a:off x="0" y="843887"/>
+            <a:ext cx="12192000" cy="3970318"/>
           </a:xfrm>
           <a:prstGeom prst="rect">
             <a:avLst/>
@@ -3793,10 +3853,12 @@
           <a:p>
             <a:pPr algn="ctr"/>
             <a:r>
-              <a:rPr lang="en-US" sz="3600" dirty="0">
+              <a:rPr lang="en-US" sz="2800" spc="50" dirty="0">
                 <a:solidFill>
                   <a:schemeClr val="bg1"/>
                 </a:solidFill>
+                <a:latin typeface="Assistant" panose="00000500000000000000" pitchFamily="2" charset="-79"/>
+                <a:cs typeface="Assistant" panose="00000500000000000000" pitchFamily="2" charset="-79"/>
               </a:rPr>
               <a:t>“From ease and pleasure save us;</a:t>
             </a:r>
@@ -3804,10 +3866,12 @@
           <a:p>
             <a:pPr algn="ctr"/>
             <a:r>
-              <a:rPr lang="en-US" sz="3600" dirty="0">
+              <a:rPr lang="en-US" sz="2800" spc="50" dirty="0">
                 <a:solidFill>
                   <a:schemeClr val="bg1"/>
                 </a:solidFill>
+                <a:latin typeface="Assistant" panose="00000500000000000000" pitchFamily="2" charset="-79"/>
+                <a:cs typeface="Assistant" panose="00000500000000000000" pitchFamily="2" charset="-79"/>
               </a:rPr>
               <a:t>From pride of place absolve;</a:t>
             </a:r>
@@ -3815,10 +3879,12 @@
           <a:p>
             <a:pPr algn="ctr"/>
             <a:r>
-              <a:rPr lang="en-US" sz="3600" dirty="0">
+              <a:rPr lang="en-US" sz="2800" spc="50" dirty="0">
                 <a:solidFill>
                   <a:schemeClr val="bg1"/>
                 </a:solidFill>
+                <a:latin typeface="Assistant" panose="00000500000000000000" pitchFamily="2" charset="-79"/>
+                <a:cs typeface="Assistant" panose="00000500000000000000" pitchFamily="2" charset="-79"/>
               </a:rPr>
               <a:t>Purge us of low desire;</a:t>
             </a:r>
@@ -3826,29 +3892,35 @@
           <a:p>
             <a:pPr algn="ctr"/>
             <a:r>
-              <a:rPr lang="en-US" sz="3600" dirty="0">
+              <a:rPr lang="en-US" sz="2800" spc="50" dirty="0">
                 <a:solidFill>
                   <a:schemeClr val="bg1"/>
                 </a:solidFill>
+                <a:latin typeface="Assistant" panose="00000500000000000000" pitchFamily="2" charset="-79"/>
+                <a:cs typeface="Assistant" panose="00000500000000000000" pitchFamily="2" charset="-79"/>
               </a:rPr>
               <a:t>Lift us to high resolve.</a:t>
             </a:r>
           </a:p>
           <a:p>
             <a:pPr algn="ctr"/>
-            <a:endParaRPr lang="en-US" sz="3600" dirty="0">
+            <a:endParaRPr lang="en-US" sz="2800" spc="50" dirty="0">
               <a:solidFill>
                 <a:schemeClr val="bg1"/>
               </a:solidFill>
+              <a:latin typeface="Assistant" panose="00000500000000000000" pitchFamily="2" charset="-79"/>
+              <a:cs typeface="Assistant" panose="00000500000000000000" pitchFamily="2" charset="-79"/>
             </a:endParaRPr>
           </a:p>
           <a:p>
             <a:pPr algn="ctr"/>
             <a:r>
-              <a:rPr lang="en-US" sz="3600" dirty="0">
+              <a:rPr lang="en-US" sz="2800" spc="50" dirty="0">
                 <a:solidFill>
                   <a:schemeClr val="bg1"/>
                 </a:solidFill>
+                <a:latin typeface="Assistant" panose="00000500000000000000" pitchFamily="2" charset="-79"/>
+                <a:cs typeface="Assistant" panose="00000500000000000000" pitchFamily="2" charset="-79"/>
               </a:rPr>
               <a:t>Take us and make us holy;</a:t>
             </a:r>
@@ -3856,10 +3928,12 @@
           <a:p>
             <a:pPr algn="ctr"/>
             <a:r>
-              <a:rPr lang="en-US" sz="3600" dirty="0">
+              <a:rPr lang="en-US" sz="2800" spc="50" dirty="0">
                 <a:solidFill>
                   <a:schemeClr val="bg1"/>
                 </a:solidFill>
+                <a:latin typeface="Assistant" panose="00000500000000000000" pitchFamily="2" charset="-79"/>
+                <a:cs typeface="Assistant" panose="00000500000000000000" pitchFamily="2" charset="-79"/>
               </a:rPr>
               <a:t>Teach us Thy will and way;</a:t>
             </a:r>
@@ -3867,10 +3941,12 @@
           <a:p>
             <a:pPr algn="ctr"/>
             <a:r>
-              <a:rPr lang="en-US" sz="3600" dirty="0">
+              <a:rPr lang="en-US" sz="2800" spc="50" dirty="0">
                 <a:solidFill>
                   <a:schemeClr val="bg1"/>
                 </a:solidFill>
+                <a:latin typeface="Assistant" panose="00000500000000000000" pitchFamily="2" charset="-79"/>
+                <a:cs typeface="Assistant" panose="00000500000000000000" pitchFamily="2" charset="-79"/>
               </a:rPr>
               <a:t>Speak, and, behold, we answer;</a:t>
             </a:r>
@@ -3878,10 +3954,12 @@
           <a:p>
             <a:pPr algn="ctr"/>
             <a:r>
-              <a:rPr lang="en-US" sz="3600" dirty="0">
+              <a:rPr lang="en-US" sz="2800" spc="50" dirty="0">
                 <a:solidFill>
                   <a:schemeClr val="bg1"/>
                 </a:solidFill>
+                <a:latin typeface="Assistant" panose="00000500000000000000" pitchFamily="2" charset="-79"/>
+                <a:cs typeface="Assistant" panose="00000500000000000000" pitchFamily="2" charset="-79"/>
               </a:rPr>
               <a:t>Command, and we obey!”</a:t>
             </a:r>

--- a/312 - The Voice of God is Calling.pptx
+++ b/312 - The Voice of God is Calling.pptx
@@ -244,7 +244,7 @@
           <a:p>
             <a:fld id="{32F7251A-AE54-443C-B8FE-5F636E835EBF}" type="datetimeFigureOut">
               <a:rPr lang="en-US" smtClean="0"/>
-              <a:t>2/9/2020</a:t>
+              <a:t>7/12/2020</a:t>
             </a:fld>
             <a:endParaRPr lang="en-US"/>
           </a:p>
@@ -412,7 +412,7 @@
           <a:p>
             <a:fld id="{32F7251A-AE54-443C-B8FE-5F636E835EBF}" type="datetimeFigureOut">
               <a:rPr lang="en-US" smtClean="0"/>
-              <a:t>2/9/2020</a:t>
+              <a:t>7/12/2020</a:t>
             </a:fld>
             <a:endParaRPr lang="en-US"/>
           </a:p>
@@ -590,7 +590,7 @@
           <a:p>
             <a:fld id="{32F7251A-AE54-443C-B8FE-5F636E835EBF}" type="datetimeFigureOut">
               <a:rPr lang="en-US" smtClean="0"/>
-              <a:t>2/9/2020</a:t>
+              <a:t>7/12/2020</a:t>
             </a:fld>
             <a:endParaRPr lang="en-US"/>
           </a:p>
@@ -758,7 +758,7 @@
           <a:p>
             <a:fld id="{32F7251A-AE54-443C-B8FE-5F636E835EBF}" type="datetimeFigureOut">
               <a:rPr lang="en-US" smtClean="0"/>
-              <a:t>2/9/2020</a:t>
+              <a:t>7/12/2020</a:t>
             </a:fld>
             <a:endParaRPr lang="en-US"/>
           </a:p>
@@ -1003,7 +1003,7 @@
           <a:p>
             <a:fld id="{32F7251A-AE54-443C-B8FE-5F636E835EBF}" type="datetimeFigureOut">
               <a:rPr lang="en-US" smtClean="0"/>
-              <a:t>2/9/2020</a:t>
+              <a:t>7/12/2020</a:t>
             </a:fld>
             <a:endParaRPr lang="en-US"/>
           </a:p>
@@ -1232,7 +1232,7 @@
           <a:p>
             <a:fld id="{32F7251A-AE54-443C-B8FE-5F636E835EBF}" type="datetimeFigureOut">
               <a:rPr lang="en-US" smtClean="0"/>
-              <a:t>2/9/2020</a:t>
+              <a:t>7/12/2020</a:t>
             </a:fld>
             <a:endParaRPr lang="en-US"/>
           </a:p>
@@ -1596,7 +1596,7 @@
           <a:p>
             <a:fld id="{32F7251A-AE54-443C-B8FE-5F636E835EBF}" type="datetimeFigureOut">
               <a:rPr lang="en-US" smtClean="0"/>
-              <a:t>2/9/2020</a:t>
+              <a:t>7/12/2020</a:t>
             </a:fld>
             <a:endParaRPr lang="en-US"/>
           </a:p>
@@ -1713,7 +1713,7 @@
           <a:p>
             <a:fld id="{32F7251A-AE54-443C-B8FE-5F636E835EBF}" type="datetimeFigureOut">
               <a:rPr lang="en-US" smtClean="0"/>
-              <a:t>2/9/2020</a:t>
+              <a:t>7/12/2020</a:t>
             </a:fld>
             <a:endParaRPr lang="en-US"/>
           </a:p>
@@ -1808,7 +1808,7 @@
           <a:p>
             <a:fld id="{32F7251A-AE54-443C-B8FE-5F636E835EBF}" type="datetimeFigureOut">
               <a:rPr lang="en-US" smtClean="0"/>
-              <a:t>2/9/2020</a:t>
+              <a:t>7/12/2020</a:t>
             </a:fld>
             <a:endParaRPr lang="en-US"/>
           </a:p>
@@ -2083,7 +2083,7 @@
           <a:p>
             <a:fld id="{32F7251A-AE54-443C-B8FE-5F636E835EBF}" type="datetimeFigureOut">
               <a:rPr lang="en-US" smtClean="0"/>
-              <a:t>2/9/2020</a:t>
+              <a:t>7/12/2020</a:t>
             </a:fld>
             <a:endParaRPr lang="en-US"/>
           </a:p>
@@ -2335,7 +2335,7 @@
           <a:p>
             <a:fld id="{32F7251A-AE54-443C-B8FE-5F636E835EBF}" type="datetimeFigureOut">
               <a:rPr lang="en-US" smtClean="0"/>
-              <a:t>2/9/2020</a:t>
+              <a:t>7/12/2020</a:t>
             </a:fld>
             <a:endParaRPr lang="en-US"/>
           </a:p>
@@ -2551,7 +2551,7 @@
           <a:p>
             <a:fld id="{32F7251A-AE54-443C-B8FE-5F636E835EBF}" type="datetimeFigureOut">
               <a:rPr lang="en-US" smtClean="0"/>
-              <a:t>2/9/2020</a:t>
+              <a:t>7/12/2020</a:t>
             </a:fld>
             <a:endParaRPr lang="en-US"/>
           </a:p>
